--- a/docs/webapp_design.pptx
+++ b/docs/webapp_design.pptx
@@ -5,14 +5,15 @@
     <p:sldMasterId id="2147483672" r:id="rId1"/>
   </p:sldMasterIdLst>
   <p:notesMasterIdLst>
-    <p:notesMasterId r:id="rId7"/>
+    <p:notesMasterId r:id="rId8"/>
   </p:notesMasterIdLst>
   <p:sldIdLst>
     <p:sldId id="257" r:id="rId2"/>
     <p:sldId id="261" r:id="rId3"/>
-    <p:sldId id="258" r:id="rId4"/>
-    <p:sldId id="259" r:id="rId5"/>
-    <p:sldId id="260" r:id="rId6"/>
+    <p:sldId id="262" r:id="rId4"/>
+    <p:sldId id="258" r:id="rId5"/>
+    <p:sldId id="259" r:id="rId6"/>
+    <p:sldId id="260" r:id="rId7"/>
   </p:sldIdLst>
   <p:sldSz cx="17068800" cy="9601200"/>
   <p:notesSz cx="6858000" cy="9144000"/>
@@ -201,7 +202,7 @@
           <a:p>
             <a:fld id="{407F029F-7B7B-0241-B684-AA21B49C408D}" type="datetimeFigureOut">
               <a:rPr lang="en-US" smtClean="0"/>
-              <a:t>3/19/25</a:t>
+              <a:t>4/7/25</a:t>
             </a:fld>
             <a:endParaRPr lang="en-US"/>
           </a:p>
@@ -684,7 +685,7 @@
           <a:p>
             <a:fld id="{609498B1-F110-E442-BEAA-DABBA32D9F13}" type="datetimeFigureOut">
               <a:rPr lang="en-US" smtClean="0"/>
-              <a:t>3/19/25</a:t>
+              <a:t>4/7/25</a:t>
             </a:fld>
             <a:endParaRPr lang="en-US"/>
           </a:p>
@@ -854,7 +855,7 @@
           <a:p>
             <a:fld id="{609498B1-F110-E442-BEAA-DABBA32D9F13}" type="datetimeFigureOut">
               <a:rPr lang="en-US" smtClean="0"/>
-              <a:t>3/19/25</a:t>
+              <a:t>4/7/25</a:t>
             </a:fld>
             <a:endParaRPr lang="en-US"/>
           </a:p>
@@ -1034,7 +1035,7 @@
           <a:p>
             <a:fld id="{609498B1-F110-E442-BEAA-DABBA32D9F13}" type="datetimeFigureOut">
               <a:rPr lang="en-US" smtClean="0"/>
-              <a:t>3/19/25</a:t>
+              <a:t>4/7/25</a:t>
             </a:fld>
             <a:endParaRPr lang="en-US"/>
           </a:p>
@@ -1204,7 +1205,7 @@
           <a:p>
             <a:fld id="{609498B1-F110-E442-BEAA-DABBA32D9F13}" type="datetimeFigureOut">
               <a:rPr lang="en-US" smtClean="0"/>
-              <a:t>3/19/25</a:t>
+              <a:t>4/7/25</a:t>
             </a:fld>
             <a:endParaRPr lang="en-US"/>
           </a:p>
@@ -1450,7 +1451,7 @@
           <a:p>
             <a:fld id="{609498B1-F110-E442-BEAA-DABBA32D9F13}" type="datetimeFigureOut">
               <a:rPr lang="en-US" smtClean="0"/>
-              <a:t>3/19/25</a:t>
+              <a:t>4/7/25</a:t>
             </a:fld>
             <a:endParaRPr lang="en-US"/>
           </a:p>
@@ -1682,7 +1683,7 @@
           <a:p>
             <a:fld id="{609498B1-F110-E442-BEAA-DABBA32D9F13}" type="datetimeFigureOut">
               <a:rPr lang="en-US" smtClean="0"/>
-              <a:t>3/19/25</a:t>
+              <a:t>4/7/25</a:t>
             </a:fld>
             <a:endParaRPr lang="en-US"/>
           </a:p>
@@ -2049,7 +2050,7 @@
           <a:p>
             <a:fld id="{609498B1-F110-E442-BEAA-DABBA32D9F13}" type="datetimeFigureOut">
               <a:rPr lang="en-US" smtClean="0"/>
-              <a:t>3/19/25</a:t>
+              <a:t>4/7/25</a:t>
             </a:fld>
             <a:endParaRPr lang="en-US"/>
           </a:p>
@@ -2167,7 +2168,7 @@
           <a:p>
             <a:fld id="{609498B1-F110-E442-BEAA-DABBA32D9F13}" type="datetimeFigureOut">
               <a:rPr lang="en-US" smtClean="0"/>
-              <a:t>3/19/25</a:t>
+              <a:t>4/7/25</a:t>
             </a:fld>
             <a:endParaRPr lang="en-US"/>
           </a:p>
@@ -2262,7 +2263,7 @@
           <a:p>
             <a:fld id="{609498B1-F110-E442-BEAA-DABBA32D9F13}" type="datetimeFigureOut">
               <a:rPr lang="en-US" smtClean="0"/>
-              <a:t>3/19/25</a:t>
+              <a:t>4/7/25</a:t>
             </a:fld>
             <a:endParaRPr lang="en-US"/>
           </a:p>
@@ -2539,7 +2540,7 @@
           <a:p>
             <a:fld id="{609498B1-F110-E442-BEAA-DABBA32D9F13}" type="datetimeFigureOut">
               <a:rPr lang="en-US" smtClean="0"/>
-              <a:t>3/19/25</a:t>
+              <a:t>4/7/25</a:t>
             </a:fld>
             <a:endParaRPr lang="en-US"/>
           </a:p>
@@ -2796,7 +2797,7 @@
           <a:p>
             <a:fld id="{609498B1-F110-E442-BEAA-DABBA32D9F13}" type="datetimeFigureOut">
               <a:rPr lang="en-US" smtClean="0"/>
-              <a:t>3/19/25</a:t>
+              <a:t>4/7/25</a:t>
             </a:fld>
             <a:endParaRPr lang="en-US"/>
           </a:p>
@@ -3009,7 +3010,7 @@
           <a:p>
             <a:fld id="{609498B1-F110-E442-BEAA-DABBA32D9F13}" type="datetimeFigureOut">
               <a:rPr lang="en-US" smtClean="0"/>
-              <a:t>3/19/25</a:t>
+              <a:t>4/7/25</a:t>
             </a:fld>
             <a:endParaRPr lang="en-US"/>
           </a:p>
@@ -4601,8 +4602,8 @@
         </p:nvCxnSpPr>
         <p:spPr>
           <a:xfrm flipH="1">
-            <a:off x="4692770" y="1747817"/>
-            <a:ext cx="3029569" cy="564062"/>
+            <a:off x="3969922" y="1747817"/>
+            <a:ext cx="3752417" cy="1806186"/>
           </a:xfrm>
           <a:prstGeom prst="straightConnector1">
             <a:avLst/>
@@ -4735,7 +4736,7 @@
                     </a:schemeClr>
                   </a:solidFill>
                 </a:rPr>
-                <a:t>New user - no or &lt; 20 interactions</a:t>
+                <a:t>New user:  no or &lt; 20 reviews</a:t>
               </a:r>
             </a:p>
           </p:txBody>
@@ -4792,9 +4793,9 @@
         <p:grpSpPr>
           <a:xfrm>
             <a:off x="6314612" y="4066309"/>
-            <a:ext cx="4294343" cy="720458"/>
+            <a:ext cx="4735601" cy="644177"/>
             <a:chOff x="711660" y="4103208"/>
-            <a:chExt cx="4294343" cy="720458"/>
+            <a:chExt cx="4735601" cy="644177"/>
           </a:xfrm>
         </p:grpSpPr>
         <p:sp>
@@ -4811,8 +4812,8 @@
           </p:nvSpPr>
           <p:spPr>
             <a:xfrm>
-              <a:off x="1213603" y="4177335"/>
-              <a:ext cx="3792400" cy="646331"/>
+              <a:off x="1125165" y="4162610"/>
+              <a:ext cx="4322096" cy="584775"/>
             </a:xfrm>
             <a:prstGeom prst="rect">
               <a:avLst/>
@@ -4833,19 +4834,19 @@
                     </a:schemeClr>
                   </a:solidFill>
                 </a:rPr>
-                <a:t>Search text entered by user or</a:t>
+                <a:t>Search text entered by user </a:t>
               </a:r>
             </a:p>
             <a:p>
               <a:r>
-                <a:rPr lang="en-US" b="1" dirty="0">
+                <a:rPr lang="en-US" sz="1400" b="1" dirty="0">
                   <a:solidFill>
                     <a:schemeClr val="accent2">
                       <a:lumMod val="50000"/>
                     </a:schemeClr>
                   </a:solidFill>
                 </a:rPr>
-                <a:t>User have &lt; 20 interactions</a:t>
+                <a:t>Example: ‘batman’, ‘animal-based superhero’</a:t>
               </a:r>
             </a:p>
           </p:txBody>
@@ -4943,7 +4944,7 @@
                     </a:schemeClr>
                   </a:solidFill>
                 </a:rPr>
-                <a:t>User have 20 interactions or more</a:t>
+                <a:t>User have at least 20 reviews</a:t>
               </a:r>
             </a:p>
           </p:txBody>
@@ -5000,7 +5001,7 @@
         <p:spPr>
           <a:xfrm>
             <a:off x="534838" y="8763612"/>
-            <a:ext cx="4294343" cy="369332"/>
+            <a:ext cx="4294343" cy="646331"/>
           </a:xfrm>
           <a:prstGeom prst="rect">
             <a:avLst/>
@@ -5016,7 +5017,14 @@
             <a:pPr algn="ctr"/>
             <a:r>
               <a:rPr lang="en-US" dirty="0"/>
-              <a:t>Top ranked movies rated the most</a:t>
+              <a:t>Top ranked movies</a:t>
+            </a:r>
+          </a:p>
+          <a:p>
+            <a:pPr algn="ctr"/>
+            <a:r>
+              <a:rPr lang="en-US" dirty="0"/>
+              <a:t>Highest number of reviews in IMDB</a:t>
             </a:r>
           </a:p>
         </p:txBody>
@@ -5088,7 +5096,7 @@
             <a:pPr algn="ctr"/>
             <a:r>
               <a:rPr lang="en-US" dirty="0"/>
-              <a:t>Find users with the most similar preferences and suggest their articles the user did not yet read.</a:t>
+              <a:t>Find users with the most similar preferences and suggest their movies the user did not yet watched.</a:t>
             </a:r>
           </a:p>
         </p:txBody>
@@ -5154,8 +5162,8 @@
         </p:nvSpPr>
         <p:spPr>
           <a:xfrm>
-            <a:off x="534838" y="270933"/>
-            <a:ext cx="3224362" cy="584775"/>
+            <a:off x="823404" y="262677"/>
+            <a:ext cx="5491208" cy="1077218"/>
           </a:xfrm>
           <a:prstGeom prst="rect">
             <a:avLst/>
@@ -5179,7 +5187,20 @@
                 <a:latin typeface="Miriam" panose="020B0502050101010101" pitchFamily="34" charset="-79"/>
                 <a:cs typeface="Miriam" panose="020B0502050101010101" pitchFamily="34" charset="-79"/>
               </a:rPr>
-              <a:t>Web App Design</a:t>
+              <a:t>Movie Recommender</a:t>
+            </a:r>
+          </a:p>
+          <a:p>
+            <a:r>
+              <a:rPr lang="en-GB" sz="3200" b="1" dirty="0">
+                <a:solidFill>
+                  <a:srgbClr val="000000"/>
+                </a:solidFill>
+                <a:effectLst/>
+                <a:latin typeface="Miriam" panose="020B0502050101010101" pitchFamily="34" charset="-79"/>
+                <a:cs typeface="Miriam" panose="020B0502050101010101" pitchFamily="34" charset="-79"/>
+              </a:rPr>
+              <a:t>Web Application Design</a:t>
             </a:r>
             <a:endParaRPr lang="en-US" sz="3200" b="1" dirty="0">
               <a:latin typeface="Miriam" panose="020B0502050101010101" pitchFamily="34" charset="-79"/>
@@ -5188,6 +5209,72 @@
           </a:p>
         </p:txBody>
       </p:sp>
+      <p:sp>
+        <p:nvSpPr>
+          <p:cNvPr id="5" name="TextBox 4">
+            <a:extLst>
+              <a:ext uri="{FF2B5EF4-FFF2-40B4-BE49-F238E27FC236}">
+                <a16:creationId xmlns:a16="http://schemas.microsoft.com/office/drawing/2014/main" id="{8C25EC1D-5F0E-E62C-C06D-7CF9C3783970}"/>
+              </a:ext>
+            </a:extLst>
+          </p:cNvPr>
+          <p:cNvSpPr txBox="1"/>
+          <p:nvPr/>
+        </p:nvSpPr>
+        <p:spPr>
+          <a:xfrm rot="18002551">
+            <a:off x="6269520" y="6371601"/>
+            <a:ext cx="1890069" cy="307777"/>
+          </a:xfrm>
+          <a:prstGeom prst="rect">
+            <a:avLst/>
+          </a:prstGeom>
+          <a:noFill/>
+        </p:spPr>
+        <p:txBody>
+          <a:bodyPr wrap="square" rtlCol="0">
+            <a:spAutoFit/>
+          </a:bodyPr>
+          <a:lstStyle/>
+          <a:p>
+            <a:pPr algn="ctr"/>
+            <a:r>
+              <a:rPr lang="en-US" sz="1400" dirty="0"/>
+              <a:t>Input search  text</a:t>
+            </a:r>
+          </a:p>
+        </p:txBody>
+      </p:sp>
+      <p:pic>
+        <p:nvPicPr>
+          <p:cNvPr id="8" name="Picture 7">
+            <a:extLst>
+              <a:ext uri="{FF2B5EF4-FFF2-40B4-BE49-F238E27FC236}">
+                <a16:creationId xmlns:a16="http://schemas.microsoft.com/office/drawing/2014/main" id="{2FDFF056-0445-153A-C07A-F9195A8E53BC}"/>
+              </a:ext>
+            </a:extLst>
+          </p:cNvPr>
+          <p:cNvPicPr>
+            <a:picLocks noChangeAspect="1"/>
+          </p:cNvPicPr>
+          <p:nvPr/>
+        </p:nvPicPr>
+        <p:blipFill>
+          <a:blip r:embed="rId10"/>
+          <a:stretch>
+            <a:fillRect/>
+          </a:stretch>
+        </p:blipFill>
+        <p:spPr>
+          <a:xfrm>
+            <a:off x="87570" y="395284"/>
+            <a:ext cx="735834" cy="735834"/>
+          </a:xfrm>
+          <a:prstGeom prst="rect">
+            <a:avLst/>
+          </a:prstGeom>
+        </p:spPr>
+      </p:pic>
     </p:spTree>
     <p:extLst>
       <p:ext uri="{BB962C8B-B14F-4D97-AF65-F5344CB8AC3E}">
@@ -5262,6 +5349,74 @@
 </file>
 
 <file path=ppt/slides/slide3.xml><?xml version="1.0" encoding="utf-8"?>
+<p:sld xmlns:a="http://schemas.openxmlformats.org/drawingml/2006/main" xmlns:r="http://schemas.openxmlformats.org/officeDocument/2006/relationships" xmlns:p="http://schemas.openxmlformats.org/presentationml/2006/main">
+  <p:cSld>
+    <p:spTree>
+      <p:nvGrpSpPr>
+        <p:cNvPr id="1" name=""/>
+        <p:cNvGrpSpPr/>
+        <p:nvPr/>
+      </p:nvGrpSpPr>
+      <p:grpSpPr>
+        <a:xfrm>
+          <a:off x="0" y="0"/>
+          <a:ext cx="0" cy="0"/>
+          <a:chOff x="0" y="0"/>
+          <a:chExt cx="0" cy="0"/>
+        </a:xfrm>
+      </p:grpSpPr>
+      <p:pic>
+        <p:nvPicPr>
+          <p:cNvPr id="2" name="Picture 1">
+            <a:extLst>
+              <a:ext uri="{FF2B5EF4-FFF2-40B4-BE49-F238E27FC236}">
+                <a16:creationId xmlns:a16="http://schemas.microsoft.com/office/drawing/2014/main" id="{A33B1854-96F8-6669-10ED-CFCFD28EEA53}"/>
+              </a:ext>
+            </a:extLst>
+          </p:cNvPr>
+          <p:cNvPicPr>
+            <a:picLocks noChangeAspect="1"/>
+          </p:cNvPicPr>
+          <p:nvPr/>
+        </p:nvPicPr>
+        <p:blipFill>
+          <a:blip r:embed="rId2">
+            <a:duotone>
+              <a:schemeClr val="accent1">
+                <a:shade val="45000"/>
+                <a:satMod val="135000"/>
+              </a:schemeClr>
+              <a:prstClr val="white"/>
+            </a:duotone>
+          </a:blip>
+          <a:stretch>
+            <a:fillRect/>
+          </a:stretch>
+        </p:blipFill>
+        <p:spPr>
+          <a:xfrm>
+            <a:off x="2971800" y="1813560"/>
+            <a:ext cx="4709160" cy="1569720"/>
+          </a:xfrm>
+          <a:prstGeom prst="rect">
+            <a:avLst/>
+          </a:prstGeom>
+        </p:spPr>
+      </p:pic>
+    </p:spTree>
+    <p:extLst>
+      <p:ext uri="{BB962C8B-B14F-4D97-AF65-F5344CB8AC3E}">
+        <p14:creationId xmlns:p14="http://schemas.microsoft.com/office/powerpoint/2010/main" val="245636899"/>
+      </p:ext>
+    </p:extLst>
+  </p:cSld>
+  <p:clrMapOvr>
+    <a:masterClrMapping/>
+  </p:clrMapOvr>
+</p:sld>
+</file>
+
+<file path=ppt/slides/slide4.xml><?xml version="1.0" encoding="utf-8"?>
 <p:sld xmlns:a="http://schemas.openxmlformats.org/drawingml/2006/main" xmlns:r="http://schemas.openxmlformats.org/officeDocument/2006/relationships" xmlns:p="http://schemas.openxmlformats.org/presentationml/2006/main">
   <p:cSld>
     <p:spTree>
@@ -5394,7 +5549,7 @@
 </p:sld>
 </file>
 
-<file path=ppt/slides/slide4.xml><?xml version="1.0" encoding="utf-8"?>
+<file path=ppt/slides/slide5.xml><?xml version="1.0" encoding="utf-8"?>
 <p:sld xmlns:a="http://schemas.openxmlformats.org/drawingml/2006/main" xmlns:r="http://schemas.openxmlformats.org/officeDocument/2006/relationships" xmlns:p="http://schemas.openxmlformats.org/presentationml/2006/main">
   <p:cSld>
     <p:spTree>
@@ -5527,7 +5682,7 @@
 </p:sld>
 </file>
 
-<file path=ppt/slides/slide5.xml><?xml version="1.0" encoding="utf-8"?>
+<file path=ppt/slides/slide6.xml><?xml version="1.0" encoding="utf-8"?>
 <p:sld xmlns:a="http://schemas.openxmlformats.org/drawingml/2006/main" xmlns:r="http://schemas.openxmlformats.org/officeDocument/2006/relationships" xmlns:p="http://schemas.openxmlformats.org/presentationml/2006/main">
   <p:cSld>
     <p:spTree>
